--- a/DATA 621 Homework 3 explanation of progress 04042019.pptx
+++ b/DATA 621 Homework 3 explanation of progress 04042019.pptx
@@ -33,6 +33,7 @@
     <p:sldId id="284" r:id="rId27"/>
     <p:sldId id="285" r:id="rId28"/>
     <p:sldId id="286" r:id="rId29"/>
+    <p:sldId id="287" r:id="rId30"/>
   </p:sldIdLst>
   <p:sldSz cx="9144000" cy="6858000" type="screen4x3"/>
   <p:notesSz cx="6858000" cy="9144000"/>
@@ -5877,6 +5878,85 @@
           <a:xfrm>
             <a:off x="152400" y="4572000"/>
             <a:ext cx="8715375" cy="838200"/>
+          </a:xfrm>
+          <a:prstGeom prst="rect">
+            <a:avLst/>
+          </a:prstGeom>
+          <a:noFill/>
+          <a:ln w="9525">
+            <a:noFill/>
+            <a:miter lim="800000"/>
+            <a:headEnd/>
+            <a:tailEnd/>
+          </a:ln>
+          <a:effectLst/>
+        </p:spPr>
+      </p:pic>
+    </p:spTree>
+  </p:cSld>
+  <p:clrMapOvr>
+    <a:masterClrMapping/>
+  </p:clrMapOvr>
+</p:sld>
+</file>
+
+<file path=ppt/slides/slide29.xml><?xml version="1.0" encoding="utf-8"?>
+<p:sld xmlns:a="http://schemas.openxmlformats.org/drawingml/2006/main" xmlns:r="http://schemas.openxmlformats.org/officeDocument/2006/relationships" xmlns:p="http://schemas.openxmlformats.org/presentationml/2006/main">
+  <p:cSld>
+    <p:spTree>
+      <p:nvGrpSpPr>
+        <p:cNvPr id="1" name=""/>
+        <p:cNvGrpSpPr/>
+        <p:nvPr/>
+      </p:nvGrpSpPr>
+      <p:grpSpPr>
+        <a:xfrm>
+          <a:off x="0" y="0"/>
+          <a:ext cx="0" cy="0"/>
+          <a:chOff x="0" y="0"/>
+          <a:chExt cx="0" cy="0"/>
+        </a:xfrm>
+      </p:grpSpPr>
+      <p:sp>
+        <p:nvSpPr>
+          <p:cNvPr id="2" name="Title 1"/>
+          <p:cNvSpPr>
+            <a:spLocks noGrp="1"/>
+          </p:cNvSpPr>
+          <p:nvPr>
+            <p:ph type="title"/>
+          </p:nvPr>
+        </p:nvSpPr>
+        <p:spPr/>
+        <p:txBody>
+          <a:bodyPr/>
+          <a:lstStyle/>
+          <a:p>
+            <a:endParaRPr lang="en-US"/>
+          </a:p>
+        </p:txBody>
+      </p:sp>
+      <p:pic>
+        <p:nvPicPr>
+          <p:cNvPr id="1026" name="Picture 2"/>
+          <p:cNvPicPr>
+            <a:picLocks noGrp="1" noChangeAspect="1" noChangeArrowheads="1"/>
+          </p:cNvPicPr>
+          <p:nvPr>
+            <p:ph idx="1"/>
+          </p:nvPr>
+        </p:nvPicPr>
+        <p:blipFill>
+          <a:blip r:embed="rId2"/>
+          <a:srcRect/>
+          <a:stretch>
+            <a:fillRect/>
+          </a:stretch>
+        </p:blipFill>
+        <p:spPr bwMode="auto">
+          <a:xfrm>
+            <a:off x="457200" y="2289745"/>
+            <a:ext cx="8229600" cy="3146872"/>
           </a:xfrm>
           <a:prstGeom prst="rect">
             <a:avLst/>
